--- a/tutorial23/tutorial23.pptx
+++ b/tutorial23/tutorial23.pptx
@@ -333,7 +333,7 @@
           <a:p>
             <a:fld id="{C485584D-7D79-4248-9986-4CA35242F944}" type="datetimeFigureOut">
               <a:rPr lang="en-US" smtClean="0"/>
-              <a:t>12/29/23</a:t>
+              <a:t>12/30/23</a:t>
             </a:fld>
             <a:endParaRPr lang="en-US"/>
           </a:p>
@@ -707,7 +707,7 @@
           <a:p>
             <a:fld id="{C485584D-7D79-4248-9986-4CA35242F944}" type="datetimeFigureOut">
               <a:rPr lang="en-US" smtClean="0"/>
-              <a:t>12/29/23</a:t>
+              <a:t>12/30/23</a:t>
             </a:fld>
             <a:endParaRPr lang="en-US"/>
           </a:p>
@@ -917,7 +917,7 @@
           <a:p>
             <a:fld id="{C485584D-7D79-4248-9986-4CA35242F944}" type="datetimeFigureOut">
               <a:rPr lang="en-US" smtClean="0"/>
-              <a:t>12/29/23</a:t>
+              <a:t>12/30/23</a:t>
             </a:fld>
             <a:endParaRPr lang="en-US"/>
           </a:p>
@@ -1116,7 +1116,7 @@
           <a:p>
             <a:fld id="{C485584D-7D79-4248-9986-4CA35242F944}" type="datetimeFigureOut">
               <a:rPr lang="en-US" smtClean="0"/>
-              <a:t>12/29/23</a:t>
+              <a:t>12/30/23</a:t>
             </a:fld>
             <a:endParaRPr lang="en-US"/>
           </a:p>
@@ -1229,7 +1229,7 @@
           <a:p>
             <a:fld id="{C485584D-7D79-4248-9986-4CA35242F944}" type="datetimeFigureOut">
               <a:rPr lang="en-US" smtClean="0"/>
-              <a:t>12/29/23</a:t>
+              <a:t>12/30/23</a:t>
             </a:fld>
             <a:endParaRPr lang="en-US"/>
           </a:p>
@@ -1965,7 +1965,7 @@
           <a:p>
             <a:fld id="{C485584D-7D79-4248-9986-4CA35242F944}" type="datetimeFigureOut">
               <a:rPr lang="en-US" smtClean="0"/>
-              <a:t>12/29/23</a:t>
+              <a:t>12/30/23</a:t>
             </a:fld>
             <a:endParaRPr lang="en-US"/>
           </a:p>
@@ -2381,7 +2381,7 @@
           <a:p>
             <a:fld id="{C485584D-7D79-4248-9986-4CA35242F944}" type="datetimeFigureOut">
               <a:rPr lang="en-US" smtClean="0"/>
-              <a:t>12/29/23</a:t>
+              <a:t>12/30/23</a:t>
             </a:fld>
             <a:endParaRPr lang="en-US"/>
           </a:p>
@@ -2522,7 +2522,7 @@
           <a:p>
             <a:fld id="{C485584D-7D79-4248-9986-4CA35242F944}" type="datetimeFigureOut">
               <a:rPr lang="en-US" smtClean="0"/>
-              <a:t>12/29/23</a:t>
+              <a:t>12/30/23</a:t>
             </a:fld>
             <a:endParaRPr lang="en-US"/>
           </a:p>
@@ -2635,7 +2635,7 @@
           <a:p>
             <a:fld id="{C485584D-7D79-4248-9986-4CA35242F944}" type="datetimeFigureOut">
               <a:rPr lang="en-US" smtClean="0"/>
-              <a:t>12/29/23</a:t>
+              <a:t>12/30/23</a:t>
             </a:fld>
             <a:endParaRPr lang="en-US"/>
           </a:p>
@@ -2948,7 +2948,7 @@
           <a:p>
             <a:fld id="{C485584D-7D79-4248-9986-4CA35242F944}" type="datetimeFigureOut">
               <a:rPr lang="en-US" smtClean="0"/>
-              <a:t>12/29/23</a:t>
+              <a:t>12/30/23</a:t>
             </a:fld>
             <a:endParaRPr lang="en-US"/>
           </a:p>
@@ -3240,7 +3240,7 @@
           <a:p>
             <a:fld id="{C485584D-7D79-4248-9986-4CA35242F944}" type="datetimeFigureOut">
               <a:rPr lang="en-US" smtClean="0"/>
-              <a:t>12/29/23</a:t>
+              <a:t>12/30/23</a:t>
             </a:fld>
             <a:endParaRPr lang="en-US"/>
           </a:p>
@@ -3524,7 +3524,7 @@
           <a:p>
             <a:fld id="{C485584D-7D79-4248-9986-4CA35242F944}" type="datetimeFigureOut">
               <a:rPr lang="en-US" smtClean="0"/>
-              <a:t>12/29/23</a:t>
+              <a:t>12/30/23</a:t>
             </a:fld>
             <a:endParaRPr lang="en-US"/>
           </a:p>
@@ -4724,6 +4724,775 @@
           </a:p>
         </p:txBody>
       </p:sp>
+      <p:sp>
+        <p:nvSpPr>
+          <p:cNvPr id="5" name="TextBox 4">
+            <a:extLst>
+              <a:ext uri="{FF2B5EF4-FFF2-40B4-BE49-F238E27FC236}">
+                <a16:creationId xmlns:a16="http://schemas.microsoft.com/office/drawing/2014/main" id="{30E404CF-B47A-9D9D-89F8-8122569699F0}"/>
+              </a:ext>
+            </a:extLst>
+          </p:cNvPr>
+          <p:cNvSpPr txBox="1"/>
+          <p:nvPr/>
+        </p:nvSpPr>
+        <p:spPr>
+          <a:xfrm>
+            <a:off x="797169" y="2299914"/>
+            <a:ext cx="9097108" cy="3416320"/>
+          </a:xfrm>
+          <a:prstGeom prst="rect">
+            <a:avLst/>
+          </a:prstGeom>
+          <a:noFill/>
+        </p:spPr>
+        <p:txBody>
+          <a:bodyPr wrap="square">
+            <a:spAutoFit/>
+          </a:bodyPr>
+          <a:lstStyle/>
+          <a:p>
+            <a:r>
+              <a:rPr lang="en-IN" b="0" dirty="0">
+                <a:solidFill>
+                  <a:srgbClr val="C586C0"/>
+                </a:solidFill>
+                <a:effectLst/>
+                <a:latin typeface="Menlo" panose="020B0609030804020204" pitchFamily="49" charset="0"/>
+              </a:rPr>
+              <a:t>from</a:t>
+            </a:r>
+            <a:r>
+              <a:rPr lang="en-IN" b="0" dirty="0">
+                <a:solidFill>
+                  <a:srgbClr val="CCCCCC"/>
+                </a:solidFill>
+                <a:effectLst/>
+                <a:latin typeface="Menlo" panose="020B0609030804020204" pitchFamily="49" charset="0"/>
+              </a:rPr>
+              <a:t> </a:t>
+            </a:r>
+            <a:r>
+              <a:rPr lang="en-IN" b="0" dirty="0" err="1">
+                <a:solidFill>
+                  <a:srgbClr val="4EC9B0"/>
+                </a:solidFill>
+                <a:effectLst/>
+                <a:latin typeface="Menlo" panose="020B0609030804020204" pitchFamily="49" charset="0"/>
+              </a:rPr>
+              <a:t>langchain</a:t>
+            </a:r>
+            <a:r>
+              <a:rPr lang="en-IN" b="0" dirty="0" err="1">
+                <a:solidFill>
+                  <a:srgbClr val="CCCCCC"/>
+                </a:solidFill>
+                <a:effectLst/>
+                <a:latin typeface="Menlo" panose="020B0609030804020204" pitchFamily="49" charset="0"/>
+              </a:rPr>
+              <a:t>.</a:t>
+            </a:r>
+            <a:r>
+              <a:rPr lang="en-IN" b="0" dirty="0" err="1">
+                <a:solidFill>
+                  <a:srgbClr val="4EC9B0"/>
+                </a:solidFill>
+                <a:effectLst/>
+                <a:latin typeface="Menlo" panose="020B0609030804020204" pitchFamily="49" charset="0"/>
+              </a:rPr>
+              <a:t>document_loaders</a:t>
+            </a:r>
+            <a:r>
+              <a:rPr lang="en-IN" b="0" dirty="0">
+                <a:solidFill>
+                  <a:srgbClr val="CCCCCC"/>
+                </a:solidFill>
+                <a:effectLst/>
+                <a:latin typeface="Menlo" panose="020B0609030804020204" pitchFamily="49" charset="0"/>
+              </a:rPr>
+              <a:t> </a:t>
+            </a:r>
+            <a:r>
+              <a:rPr lang="en-IN" b="0" dirty="0">
+                <a:solidFill>
+                  <a:srgbClr val="C586C0"/>
+                </a:solidFill>
+                <a:effectLst/>
+                <a:latin typeface="Menlo" panose="020B0609030804020204" pitchFamily="49" charset="0"/>
+              </a:rPr>
+              <a:t>import</a:t>
+            </a:r>
+            <a:r>
+              <a:rPr lang="en-IN" b="0" dirty="0">
+                <a:solidFill>
+                  <a:srgbClr val="CCCCCC"/>
+                </a:solidFill>
+                <a:effectLst/>
+                <a:latin typeface="Menlo" panose="020B0609030804020204" pitchFamily="49" charset="0"/>
+              </a:rPr>
+              <a:t> </a:t>
+            </a:r>
+            <a:r>
+              <a:rPr lang="en-IN" b="0" dirty="0" err="1">
+                <a:solidFill>
+                  <a:srgbClr val="4EC9B0"/>
+                </a:solidFill>
+                <a:effectLst/>
+                <a:latin typeface="Menlo" panose="020B0609030804020204" pitchFamily="49" charset="0"/>
+              </a:rPr>
+              <a:t>DirectoryLoader</a:t>
+            </a:r>
+            <a:endParaRPr lang="en-IN" b="0" dirty="0">
+              <a:solidFill>
+                <a:srgbClr val="CCCCCC"/>
+              </a:solidFill>
+              <a:effectLst/>
+              <a:latin typeface="Menlo" panose="020B0609030804020204" pitchFamily="49" charset="0"/>
+            </a:endParaRPr>
+          </a:p>
+          <a:p>
+            <a:r>
+              <a:rPr lang="en-IN" b="0" dirty="0">
+                <a:solidFill>
+                  <a:srgbClr val="C586C0"/>
+                </a:solidFill>
+                <a:effectLst/>
+                <a:latin typeface="Menlo" panose="020B0609030804020204" pitchFamily="49" charset="0"/>
+              </a:rPr>
+              <a:t>import</a:t>
+            </a:r>
+            <a:r>
+              <a:rPr lang="en-IN" b="0" dirty="0">
+                <a:solidFill>
+                  <a:srgbClr val="CCCCCC"/>
+                </a:solidFill>
+                <a:effectLst/>
+                <a:latin typeface="Menlo" panose="020B0609030804020204" pitchFamily="49" charset="0"/>
+              </a:rPr>
+              <a:t> </a:t>
+            </a:r>
+            <a:r>
+              <a:rPr lang="en-IN" b="0" dirty="0" err="1">
+                <a:solidFill>
+                  <a:srgbClr val="4EC9B0"/>
+                </a:solidFill>
+                <a:effectLst/>
+                <a:latin typeface="Menlo" panose="020B0609030804020204" pitchFamily="49" charset="0"/>
+              </a:rPr>
+              <a:t>os</a:t>
+            </a:r>
+            <a:r>
+              <a:rPr lang="en-IN" b="0" dirty="0">
+                <a:solidFill>
+                  <a:srgbClr val="CCCCCC"/>
+                </a:solidFill>
+                <a:effectLst/>
+                <a:latin typeface="Menlo" panose="020B0609030804020204" pitchFamily="49" charset="0"/>
+              </a:rPr>
+              <a:t> , </a:t>
+            </a:r>
+            <a:r>
+              <a:rPr lang="en-IN" b="0" dirty="0">
+                <a:solidFill>
+                  <a:srgbClr val="4EC9B0"/>
+                </a:solidFill>
+                <a:effectLst/>
+                <a:latin typeface="Menlo" panose="020B0609030804020204" pitchFamily="49" charset="0"/>
+              </a:rPr>
+              <a:t>time</a:t>
+            </a:r>
+            <a:endParaRPr lang="en-IN" b="0" dirty="0">
+              <a:solidFill>
+                <a:srgbClr val="CCCCCC"/>
+              </a:solidFill>
+              <a:effectLst/>
+              <a:latin typeface="Menlo" panose="020B0609030804020204" pitchFamily="49" charset="0"/>
+            </a:endParaRPr>
+          </a:p>
+          <a:p>
+            <a:r>
+              <a:rPr lang="en-IN" b="0" dirty="0" err="1">
+                <a:solidFill>
+                  <a:srgbClr val="9CDCFE"/>
+                </a:solidFill>
+                <a:effectLst/>
+                <a:latin typeface="Menlo" panose="020B0609030804020204" pitchFamily="49" charset="0"/>
+              </a:rPr>
+              <a:t>pwd</a:t>
+            </a:r>
+            <a:r>
+              <a:rPr lang="en-IN" b="0" dirty="0">
+                <a:solidFill>
+                  <a:srgbClr val="D4D4D4"/>
+                </a:solidFill>
+                <a:effectLst/>
+                <a:latin typeface="Menlo" panose="020B0609030804020204" pitchFamily="49" charset="0"/>
+              </a:rPr>
+              <a:t>=</a:t>
+            </a:r>
+            <a:r>
+              <a:rPr lang="en-IN" b="0" dirty="0" err="1">
+                <a:solidFill>
+                  <a:srgbClr val="4EC9B0"/>
+                </a:solidFill>
+                <a:effectLst/>
+                <a:latin typeface="Menlo" panose="020B0609030804020204" pitchFamily="49" charset="0"/>
+              </a:rPr>
+              <a:t>os</a:t>
+            </a:r>
+            <a:r>
+              <a:rPr lang="en-IN" b="0" dirty="0" err="1">
+                <a:solidFill>
+                  <a:srgbClr val="CCCCCC"/>
+                </a:solidFill>
+                <a:effectLst/>
+                <a:latin typeface="Menlo" panose="020B0609030804020204" pitchFamily="49" charset="0"/>
+              </a:rPr>
+              <a:t>.</a:t>
+            </a:r>
+            <a:r>
+              <a:rPr lang="en-IN" b="0" dirty="0" err="1">
+                <a:solidFill>
+                  <a:srgbClr val="DCDCAA"/>
+                </a:solidFill>
+                <a:effectLst/>
+                <a:latin typeface="Menlo" panose="020B0609030804020204" pitchFamily="49" charset="0"/>
+              </a:rPr>
+              <a:t>getcwd</a:t>
+            </a:r>
+            <a:r>
+              <a:rPr lang="en-IN" b="0" dirty="0">
+                <a:solidFill>
+                  <a:srgbClr val="CCCCCC"/>
+                </a:solidFill>
+                <a:effectLst/>
+                <a:latin typeface="Menlo" panose="020B0609030804020204" pitchFamily="49" charset="0"/>
+              </a:rPr>
+              <a:t>()</a:t>
+            </a:r>
+          </a:p>
+          <a:p>
+            <a:r>
+              <a:rPr lang="en-IN" b="0" dirty="0" err="1">
+                <a:solidFill>
+                  <a:srgbClr val="9CDCFE"/>
+                </a:solidFill>
+                <a:effectLst/>
+                <a:latin typeface="Menlo" panose="020B0609030804020204" pitchFamily="49" charset="0"/>
+              </a:rPr>
+              <a:t>st</a:t>
+            </a:r>
+            <a:r>
+              <a:rPr lang="en-IN" b="0" dirty="0">
+                <a:solidFill>
+                  <a:srgbClr val="D4D4D4"/>
+                </a:solidFill>
+                <a:effectLst/>
+                <a:latin typeface="Menlo" panose="020B0609030804020204" pitchFamily="49" charset="0"/>
+              </a:rPr>
+              <a:t>=</a:t>
+            </a:r>
+            <a:r>
+              <a:rPr lang="en-IN" b="0" dirty="0" err="1">
+                <a:solidFill>
+                  <a:srgbClr val="4EC9B0"/>
+                </a:solidFill>
+                <a:effectLst/>
+                <a:latin typeface="Menlo" panose="020B0609030804020204" pitchFamily="49" charset="0"/>
+              </a:rPr>
+              <a:t>time</a:t>
+            </a:r>
+            <a:r>
+              <a:rPr lang="en-IN" b="0" dirty="0" err="1">
+                <a:solidFill>
+                  <a:srgbClr val="CCCCCC"/>
+                </a:solidFill>
+                <a:effectLst/>
+                <a:latin typeface="Menlo" panose="020B0609030804020204" pitchFamily="49" charset="0"/>
+              </a:rPr>
+              <a:t>.</a:t>
+            </a:r>
+            <a:r>
+              <a:rPr lang="en-IN" b="0" dirty="0" err="1">
+                <a:solidFill>
+                  <a:srgbClr val="DCDCAA"/>
+                </a:solidFill>
+                <a:effectLst/>
+                <a:latin typeface="Menlo" panose="020B0609030804020204" pitchFamily="49" charset="0"/>
+              </a:rPr>
+              <a:t>time</a:t>
+            </a:r>
+            <a:r>
+              <a:rPr lang="en-IN" b="0" dirty="0">
+                <a:solidFill>
+                  <a:srgbClr val="CCCCCC"/>
+                </a:solidFill>
+                <a:effectLst/>
+                <a:latin typeface="Menlo" panose="020B0609030804020204" pitchFamily="49" charset="0"/>
+              </a:rPr>
+              <a:t>()</a:t>
+            </a:r>
+          </a:p>
+          <a:p>
+            <a:br>
+              <a:rPr lang="en-IN" b="0" dirty="0">
+                <a:solidFill>
+                  <a:srgbClr val="CCCCCC"/>
+                </a:solidFill>
+                <a:effectLst/>
+                <a:latin typeface="Menlo" panose="020B0609030804020204" pitchFamily="49" charset="0"/>
+              </a:rPr>
+            </a:br>
+            <a:r>
+              <a:rPr lang="en-IN" b="0" dirty="0">
+                <a:solidFill>
+                  <a:srgbClr val="9CDCFE"/>
+                </a:solidFill>
+                <a:effectLst/>
+                <a:latin typeface="Menlo" panose="020B0609030804020204" pitchFamily="49" charset="0"/>
+              </a:rPr>
+              <a:t>loader</a:t>
+            </a:r>
+            <a:r>
+              <a:rPr lang="en-IN" b="0" dirty="0">
+                <a:solidFill>
+                  <a:srgbClr val="D4D4D4"/>
+                </a:solidFill>
+                <a:effectLst/>
+                <a:latin typeface="Menlo" panose="020B0609030804020204" pitchFamily="49" charset="0"/>
+              </a:rPr>
+              <a:t>=</a:t>
+            </a:r>
+            <a:r>
+              <a:rPr lang="en-IN" b="0" dirty="0" err="1">
+                <a:solidFill>
+                  <a:srgbClr val="4EC9B0"/>
+                </a:solidFill>
+                <a:effectLst/>
+                <a:latin typeface="Menlo" panose="020B0609030804020204" pitchFamily="49" charset="0"/>
+              </a:rPr>
+              <a:t>DirectoryLoader</a:t>
+            </a:r>
+            <a:r>
+              <a:rPr lang="en-IN" b="0" dirty="0">
+                <a:solidFill>
+                  <a:srgbClr val="CCCCCC"/>
+                </a:solidFill>
+                <a:effectLst/>
+                <a:latin typeface="Menlo" panose="020B0609030804020204" pitchFamily="49" charset="0"/>
+              </a:rPr>
+              <a:t>(</a:t>
+            </a:r>
+            <a:r>
+              <a:rPr lang="en-IN" b="0" dirty="0">
+                <a:solidFill>
+                  <a:srgbClr val="9CDCFE"/>
+                </a:solidFill>
+                <a:effectLst/>
+                <a:latin typeface="Menlo" panose="020B0609030804020204" pitchFamily="49" charset="0"/>
+              </a:rPr>
+              <a:t>path</a:t>
+            </a:r>
+            <a:r>
+              <a:rPr lang="en-IN" b="0" dirty="0">
+                <a:solidFill>
+                  <a:srgbClr val="D4D4D4"/>
+                </a:solidFill>
+                <a:effectLst/>
+                <a:latin typeface="Menlo" panose="020B0609030804020204" pitchFamily="49" charset="0"/>
+              </a:rPr>
+              <a:t>=</a:t>
+            </a:r>
+            <a:r>
+              <a:rPr lang="en-IN" b="0" dirty="0" err="1">
+                <a:solidFill>
+                  <a:srgbClr val="9CDCFE"/>
+                </a:solidFill>
+                <a:effectLst/>
+                <a:latin typeface="Menlo" panose="020B0609030804020204" pitchFamily="49" charset="0"/>
+              </a:rPr>
+              <a:t>pwd</a:t>
+            </a:r>
+            <a:r>
+              <a:rPr lang="en-IN" b="0" dirty="0" err="1">
+                <a:solidFill>
+                  <a:srgbClr val="CCCCCC"/>
+                </a:solidFill>
+                <a:effectLst/>
+                <a:latin typeface="Menlo" panose="020B0609030804020204" pitchFamily="49" charset="0"/>
+              </a:rPr>
+              <a:t>,</a:t>
+            </a:r>
+            <a:r>
+              <a:rPr lang="en-IN" b="0" dirty="0" err="1">
+                <a:solidFill>
+                  <a:srgbClr val="9CDCFE"/>
+                </a:solidFill>
+                <a:effectLst/>
+                <a:latin typeface="Menlo" panose="020B0609030804020204" pitchFamily="49" charset="0"/>
+              </a:rPr>
+              <a:t>glob</a:t>
+            </a:r>
+            <a:r>
+              <a:rPr lang="en-IN" b="0" dirty="0">
+                <a:solidFill>
+                  <a:srgbClr val="D4D4D4"/>
+                </a:solidFill>
+                <a:effectLst/>
+                <a:latin typeface="Menlo" panose="020B0609030804020204" pitchFamily="49" charset="0"/>
+              </a:rPr>
+              <a:t>=</a:t>
+            </a:r>
+            <a:r>
+              <a:rPr lang="en-IN" b="0" dirty="0">
+                <a:solidFill>
+                  <a:srgbClr val="CE9178"/>
+                </a:solidFill>
+                <a:effectLst/>
+                <a:latin typeface="Menlo" panose="020B0609030804020204" pitchFamily="49" charset="0"/>
+              </a:rPr>
+              <a:t>"**/*.csv"</a:t>
+            </a:r>
+            <a:r>
+              <a:rPr lang="en-IN" b="0" dirty="0">
+                <a:solidFill>
+                  <a:srgbClr val="CCCCCC"/>
+                </a:solidFill>
+                <a:effectLst/>
+                <a:latin typeface="Menlo" panose="020B0609030804020204" pitchFamily="49" charset="0"/>
+              </a:rPr>
+              <a:t>,</a:t>
+            </a:r>
+            <a:r>
+              <a:rPr lang="en-IN" b="0" dirty="0" err="1">
+                <a:solidFill>
+                  <a:srgbClr val="9CDCFE"/>
+                </a:solidFill>
+                <a:effectLst/>
+                <a:latin typeface="Menlo" panose="020B0609030804020204" pitchFamily="49" charset="0"/>
+              </a:rPr>
+              <a:t>use_multithreading</a:t>
+            </a:r>
+            <a:r>
+              <a:rPr lang="en-IN" b="0" dirty="0">
+                <a:solidFill>
+                  <a:srgbClr val="D4D4D4"/>
+                </a:solidFill>
+                <a:effectLst/>
+                <a:latin typeface="Menlo" panose="020B0609030804020204" pitchFamily="49" charset="0"/>
+              </a:rPr>
+              <a:t>=</a:t>
+            </a:r>
+            <a:r>
+              <a:rPr lang="en-IN" b="0" dirty="0">
+                <a:solidFill>
+                  <a:srgbClr val="569CD6"/>
+                </a:solidFill>
+                <a:effectLst/>
+                <a:latin typeface="Menlo" panose="020B0609030804020204" pitchFamily="49" charset="0"/>
+              </a:rPr>
+              <a:t>True</a:t>
+            </a:r>
+            <a:r>
+              <a:rPr lang="en-IN" b="0" dirty="0">
+                <a:solidFill>
+                  <a:srgbClr val="CCCCCC"/>
+                </a:solidFill>
+                <a:effectLst/>
+                <a:latin typeface="Menlo" panose="020B0609030804020204" pitchFamily="49" charset="0"/>
+              </a:rPr>
+              <a:t>)</a:t>
+            </a:r>
+          </a:p>
+          <a:p>
+            <a:r>
+              <a:rPr lang="en-IN" b="0" dirty="0">
+                <a:solidFill>
+                  <a:srgbClr val="9CDCFE"/>
+                </a:solidFill>
+                <a:effectLst/>
+                <a:latin typeface="Menlo" panose="020B0609030804020204" pitchFamily="49" charset="0"/>
+              </a:rPr>
+              <a:t>docs</a:t>
+            </a:r>
+            <a:r>
+              <a:rPr lang="en-IN" b="0" dirty="0">
+                <a:solidFill>
+                  <a:srgbClr val="D4D4D4"/>
+                </a:solidFill>
+                <a:effectLst/>
+                <a:latin typeface="Menlo" panose="020B0609030804020204" pitchFamily="49" charset="0"/>
+              </a:rPr>
+              <a:t>=</a:t>
+            </a:r>
+            <a:r>
+              <a:rPr lang="en-IN" b="0" dirty="0" err="1">
+                <a:solidFill>
+                  <a:srgbClr val="9CDCFE"/>
+                </a:solidFill>
+                <a:effectLst/>
+                <a:latin typeface="Menlo" panose="020B0609030804020204" pitchFamily="49" charset="0"/>
+              </a:rPr>
+              <a:t>loader</a:t>
+            </a:r>
+            <a:r>
+              <a:rPr lang="en-IN" b="0" dirty="0" err="1">
+                <a:solidFill>
+                  <a:srgbClr val="CCCCCC"/>
+                </a:solidFill>
+                <a:effectLst/>
+                <a:latin typeface="Menlo" panose="020B0609030804020204" pitchFamily="49" charset="0"/>
+              </a:rPr>
+              <a:t>.</a:t>
+            </a:r>
+            <a:r>
+              <a:rPr lang="en-IN" b="0" dirty="0" err="1">
+                <a:solidFill>
+                  <a:srgbClr val="DCDCAA"/>
+                </a:solidFill>
+                <a:effectLst/>
+                <a:latin typeface="Menlo" panose="020B0609030804020204" pitchFamily="49" charset="0"/>
+              </a:rPr>
+              <a:t>load</a:t>
+            </a:r>
+            <a:r>
+              <a:rPr lang="en-IN" b="0" dirty="0">
+                <a:solidFill>
+                  <a:srgbClr val="CCCCCC"/>
+                </a:solidFill>
+                <a:effectLst/>
+                <a:latin typeface="Menlo" panose="020B0609030804020204" pitchFamily="49" charset="0"/>
+              </a:rPr>
+              <a:t>()</a:t>
+            </a:r>
+          </a:p>
+          <a:p>
+            <a:r>
+              <a:rPr lang="en-IN" b="0" dirty="0" err="1">
+                <a:solidFill>
+                  <a:srgbClr val="9CDCFE"/>
+                </a:solidFill>
+                <a:effectLst/>
+                <a:latin typeface="Menlo" panose="020B0609030804020204" pitchFamily="49" charset="0"/>
+              </a:rPr>
+              <a:t>endt</a:t>
+            </a:r>
+            <a:r>
+              <a:rPr lang="en-IN" b="0" dirty="0">
+                <a:solidFill>
+                  <a:srgbClr val="D4D4D4"/>
+                </a:solidFill>
+                <a:effectLst/>
+                <a:latin typeface="Menlo" panose="020B0609030804020204" pitchFamily="49" charset="0"/>
+              </a:rPr>
+              <a:t>=</a:t>
+            </a:r>
+            <a:r>
+              <a:rPr lang="en-IN" b="0" dirty="0" err="1">
+                <a:solidFill>
+                  <a:srgbClr val="4EC9B0"/>
+                </a:solidFill>
+                <a:effectLst/>
+                <a:latin typeface="Menlo" panose="020B0609030804020204" pitchFamily="49" charset="0"/>
+              </a:rPr>
+              <a:t>time</a:t>
+            </a:r>
+            <a:r>
+              <a:rPr lang="en-IN" b="0" dirty="0" err="1">
+                <a:solidFill>
+                  <a:srgbClr val="CCCCCC"/>
+                </a:solidFill>
+                <a:effectLst/>
+                <a:latin typeface="Menlo" panose="020B0609030804020204" pitchFamily="49" charset="0"/>
+              </a:rPr>
+              <a:t>.</a:t>
+            </a:r>
+            <a:r>
+              <a:rPr lang="en-IN" b="0" dirty="0" err="1">
+                <a:solidFill>
+                  <a:srgbClr val="DCDCAA"/>
+                </a:solidFill>
+                <a:effectLst/>
+                <a:latin typeface="Menlo" panose="020B0609030804020204" pitchFamily="49" charset="0"/>
+              </a:rPr>
+              <a:t>time</a:t>
+            </a:r>
+            <a:r>
+              <a:rPr lang="en-IN" b="0" dirty="0">
+                <a:solidFill>
+                  <a:srgbClr val="CCCCCC"/>
+                </a:solidFill>
+                <a:effectLst/>
+                <a:latin typeface="Menlo" panose="020B0609030804020204" pitchFamily="49" charset="0"/>
+              </a:rPr>
+              <a:t>()</a:t>
+            </a:r>
+          </a:p>
+          <a:p>
+            <a:r>
+              <a:rPr lang="en-IN" b="0" dirty="0">
+                <a:solidFill>
+                  <a:srgbClr val="9CDCFE"/>
+                </a:solidFill>
+                <a:effectLst/>
+                <a:latin typeface="Menlo" panose="020B0609030804020204" pitchFamily="49" charset="0"/>
+              </a:rPr>
+              <a:t>et</a:t>
+            </a:r>
+            <a:r>
+              <a:rPr lang="en-IN" b="0" dirty="0">
+                <a:solidFill>
+                  <a:srgbClr val="D4D4D4"/>
+                </a:solidFill>
+                <a:effectLst/>
+                <a:latin typeface="Menlo" panose="020B0609030804020204" pitchFamily="49" charset="0"/>
+              </a:rPr>
+              <a:t>=</a:t>
+            </a:r>
+            <a:r>
+              <a:rPr lang="en-IN" b="0" dirty="0" err="1">
+                <a:solidFill>
+                  <a:srgbClr val="9CDCFE"/>
+                </a:solidFill>
+                <a:effectLst/>
+                <a:latin typeface="Menlo" panose="020B0609030804020204" pitchFamily="49" charset="0"/>
+              </a:rPr>
+              <a:t>endt</a:t>
+            </a:r>
+            <a:r>
+              <a:rPr lang="en-IN" b="0" dirty="0" err="1">
+                <a:solidFill>
+                  <a:srgbClr val="D4D4D4"/>
+                </a:solidFill>
+                <a:effectLst/>
+                <a:latin typeface="Menlo" panose="020B0609030804020204" pitchFamily="49" charset="0"/>
+              </a:rPr>
+              <a:t>-</a:t>
+            </a:r>
+            <a:r>
+              <a:rPr lang="en-IN" b="0" dirty="0" err="1">
+                <a:solidFill>
+                  <a:srgbClr val="9CDCFE"/>
+                </a:solidFill>
+                <a:effectLst/>
+                <a:latin typeface="Menlo" panose="020B0609030804020204" pitchFamily="49" charset="0"/>
+              </a:rPr>
+              <a:t>st</a:t>
+            </a:r>
+            <a:endParaRPr lang="en-IN" b="0" dirty="0">
+              <a:solidFill>
+                <a:srgbClr val="CCCCCC"/>
+              </a:solidFill>
+              <a:effectLst/>
+              <a:latin typeface="Menlo" panose="020B0609030804020204" pitchFamily="49" charset="0"/>
+            </a:endParaRPr>
+          </a:p>
+          <a:p>
+            <a:r>
+              <a:rPr lang="en-IN" b="0" dirty="0">
+                <a:solidFill>
+                  <a:srgbClr val="DCDCAA"/>
+                </a:solidFill>
+                <a:effectLst/>
+                <a:latin typeface="Menlo" panose="020B0609030804020204" pitchFamily="49" charset="0"/>
+              </a:rPr>
+              <a:t>print</a:t>
+            </a:r>
+            <a:r>
+              <a:rPr lang="en-IN" b="0" dirty="0">
+                <a:solidFill>
+                  <a:srgbClr val="CCCCCC"/>
+                </a:solidFill>
+                <a:effectLst/>
+                <a:latin typeface="Menlo" panose="020B0609030804020204" pitchFamily="49" charset="0"/>
+              </a:rPr>
+              <a:t>(</a:t>
+            </a:r>
+            <a:r>
+              <a:rPr lang="en-IN" b="0" dirty="0">
+                <a:solidFill>
+                  <a:srgbClr val="9CDCFE"/>
+                </a:solidFill>
+                <a:effectLst/>
+                <a:latin typeface="Menlo" panose="020B0609030804020204" pitchFamily="49" charset="0"/>
+              </a:rPr>
+              <a:t>et</a:t>
+            </a:r>
+            <a:r>
+              <a:rPr lang="en-IN" b="0" dirty="0">
+                <a:solidFill>
+                  <a:srgbClr val="CCCCCC"/>
+                </a:solidFill>
+                <a:effectLst/>
+                <a:latin typeface="Menlo" panose="020B0609030804020204" pitchFamily="49" charset="0"/>
+              </a:rPr>
+              <a:t>)</a:t>
+            </a:r>
+          </a:p>
+          <a:p>
+            <a:r>
+              <a:rPr lang="en-IN" b="0" dirty="0">
+                <a:solidFill>
+                  <a:srgbClr val="DCDCAA"/>
+                </a:solidFill>
+                <a:effectLst/>
+                <a:latin typeface="Menlo" panose="020B0609030804020204" pitchFamily="49" charset="0"/>
+              </a:rPr>
+              <a:t>print</a:t>
+            </a:r>
+            <a:r>
+              <a:rPr lang="en-IN" b="0" dirty="0">
+                <a:solidFill>
+                  <a:srgbClr val="CCCCCC"/>
+                </a:solidFill>
+                <a:effectLst/>
+                <a:latin typeface="Menlo" panose="020B0609030804020204" pitchFamily="49" charset="0"/>
+              </a:rPr>
+              <a:t>(</a:t>
+            </a:r>
+            <a:r>
+              <a:rPr lang="en-IN" b="0" dirty="0" err="1">
+                <a:solidFill>
+                  <a:srgbClr val="DCDCAA"/>
+                </a:solidFill>
+                <a:effectLst/>
+                <a:latin typeface="Menlo" panose="020B0609030804020204" pitchFamily="49" charset="0"/>
+              </a:rPr>
+              <a:t>len</a:t>
+            </a:r>
+            <a:r>
+              <a:rPr lang="en-IN" b="0" dirty="0">
+                <a:solidFill>
+                  <a:srgbClr val="CCCCCC"/>
+                </a:solidFill>
+                <a:effectLst/>
+                <a:latin typeface="Menlo" panose="020B0609030804020204" pitchFamily="49" charset="0"/>
+              </a:rPr>
+              <a:t>(</a:t>
+            </a:r>
+            <a:r>
+              <a:rPr lang="en-IN" b="0" dirty="0">
+                <a:solidFill>
+                  <a:srgbClr val="9CDCFE"/>
+                </a:solidFill>
+                <a:effectLst/>
+                <a:latin typeface="Menlo" panose="020B0609030804020204" pitchFamily="49" charset="0"/>
+              </a:rPr>
+              <a:t>docs</a:t>
+            </a:r>
+            <a:r>
+              <a:rPr lang="en-IN" b="0" dirty="0">
+                <a:solidFill>
+                  <a:srgbClr val="CCCCCC"/>
+                </a:solidFill>
+                <a:effectLst/>
+                <a:latin typeface="Menlo" panose="020B0609030804020204" pitchFamily="49" charset="0"/>
+              </a:rPr>
+              <a:t>))</a:t>
+            </a:r>
+          </a:p>
+        </p:txBody>
+      </p:sp>
     </p:spTree>
     <p:extLst>
       <p:ext uri="{BB962C8B-B14F-4D97-AF65-F5344CB8AC3E}">
